--- a/presentation.pptx
+++ b/presentation.pptx
@@ -5,7 +5,7 @@
     <p:sldMasterId id="2147483648" r:id="rId1"/>
   </p:sldMasterIdLst>
   <p:notesMasterIdLst>
-    <p:notesMasterId r:id="rId19"/>
+    <p:notesMasterId r:id="rId20"/>
   </p:notesMasterIdLst>
   <p:sldIdLst>
     <p:sldId id="256" r:id="rId2"/>
@@ -24,7 +24,8 @@
     <p:sldId id="270" r:id="rId15"/>
     <p:sldId id="271" r:id="rId16"/>
     <p:sldId id="272" r:id="rId17"/>
-    <p:sldId id="273" r:id="rId18"/>
+    <p:sldId id="274" r:id="rId18"/>
+    <p:sldId id="273" r:id="rId19"/>
   </p:sldIdLst>
   <p:sldSz cx="12192000" cy="6858000"/>
   <p:notesSz cx="6858000" cy="9144000"/>
@@ -123,6 +124,11 @@
       </a:defRPr>
     </a:lvl9pPr>
   </p:defaultTextStyle>
+  <p:extLst>
+    <p:ext uri="{EFAFB233-063F-42B5-8137-9DF3F51BA10A}">
+      <p15:sldGuideLst xmlns:p15="http://schemas.microsoft.com/office/powerpoint/2012/main"/>
+    </p:ext>
+  </p:extLst>
 </p:presentation>
 </file>
 
@@ -4457,6 +4463,247 @@
           <a:p>
             <a:r>
               <a:rPr lang="en-US" dirty="0" smtClean="0"/>
+              <a:t>Code (Python </a:t>
+            </a:r>
+            <a:r>
+              <a:rPr lang="en-US" dirty="0" smtClean="0">
+                <a:sym typeface="Wingdings"/>
+              </a:rPr>
+              <a:t>)</a:t>
+            </a:r>
+            <a:endParaRPr lang="en-US" dirty="0"/>
+          </a:p>
+        </p:txBody>
+      </p:sp>
+      <p:pic>
+        <p:nvPicPr>
+          <p:cNvPr id="4" name="Content Placeholder 3"/>
+          <p:cNvPicPr>
+            <a:picLocks noGrp="1" noChangeAspect="1"/>
+          </p:cNvPicPr>
+          <p:nvPr>
+            <p:ph idx="1"/>
+          </p:nvPr>
+        </p:nvPicPr>
+        <p:blipFill>
+          <a:blip r:embed="rId2">
+            <a:extLst>
+              <a:ext uri="{28A0092B-C50C-407E-A947-70E740481C1C}">
+                <a14:useLocalDpi xmlns:a14="http://schemas.microsoft.com/office/drawing/2010/main" val="0"/>
+              </a:ext>
+            </a:extLst>
+          </a:blip>
+          <a:stretch>
+            <a:fillRect/>
+          </a:stretch>
+        </p:blipFill>
+        <p:spPr>
+          <a:xfrm>
+            <a:off x="267134" y="2169183"/>
+            <a:ext cx="5429018" cy="2048864"/>
+          </a:xfrm>
+        </p:spPr>
+      </p:pic>
+      <p:pic>
+        <p:nvPicPr>
+          <p:cNvPr id="5" name="Picture 4"/>
+          <p:cNvPicPr>
+            <a:picLocks noChangeAspect="1"/>
+          </p:cNvPicPr>
+          <p:nvPr/>
+        </p:nvPicPr>
+        <p:blipFill>
+          <a:blip r:embed="rId3">
+            <a:extLst>
+              <a:ext uri="{28A0092B-C50C-407E-A947-70E740481C1C}">
+                <a14:useLocalDpi xmlns:a14="http://schemas.microsoft.com/office/drawing/2010/main" val="0"/>
+              </a:ext>
+            </a:extLst>
+          </a:blip>
+          <a:stretch>
+            <a:fillRect/>
+          </a:stretch>
+        </p:blipFill>
+        <p:spPr>
+          <a:xfrm>
+            <a:off x="265221" y="4725845"/>
+            <a:ext cx="5430931" cy="1775858"/>
+          </a:xfrm>
+          <a:prstGeom prst="rect">
+            <a:avLst/>
+          </a:prstGeom>
+        </p:spPr>
+      </p:pic>
+      <p:sp>
+        <p:nvSpPr>
+          <p:cNvPr id="8" name="TextBox 7"/>
+          <p:cNvSpPr txBox="1"/>
+          <p:nvPr/>
+        </p:nvSpPr>
+        <p:spPr>
+          <a:xfrm>
+            <a:off x="425885" y="1665962"/>
+            <a:ext cx="1077539" cy="369332"/>
+          </a:xfrm>
+          <a:prstGeom prst="rect">
+            <a:avLst/>
+          </a:prstGeom>
+          <a:noFill/>
+        </p:spPr>
+        <p:txBody>
+          <a:bodyPr wrap="none" rtlCol="0">
+            <a:spAutoFit/>
+          </a:bodyPr>
+          <a:lstStyle/>
+          <a:p>
+            <a:r>
+              <a:rPr lang="en-US" dirty="0" smtClean="0"/>
+              <a:t>Modeling</a:t>
+            </a:r>
+            <a:endParaRPr lang="en-US" dirty="0"/>
+          </a:p>
+        </p:txBody>
+      </p:sp>
+      <p:sp>
+        <p:nvSpPr>
+          <p:cNvPr id="9" name="TextBox 8"/>
+          <p:cNvSpPr txBox="1"/>
+          <p:nvPr/>
+        </p:nvSpPr>
+        <p:spPr>
+          <a:xfrm>
+            <a:off x="265221" y="4322713"/>
+            <a:ext cx="777777" cy="369332"/>
+          </a:xfrm>
+          <a:prstGeom prst="rect">
+            <a:avLst/>
+          </a:prstGeom>
+          <a:noFill/>
+        </p:spPr>
+        <p:txBody>
+          <a:bodyPr wrap="none" rtlCol="0">
+            <a:spAutoFit/>
+          </a:bodyPr>
+          <a:lstStyle/>
+          <a:p>
+            <a:r>
+              <a:rPr lang="en-US" dirty="0" smtClean="0"/>
+              <a:t>Fitting</a:t>
+            </a:r>
+          </a:p>
+        </p:txBody>
+      </p:sp>
+      <p:pic>
+        <p:nvPicPr>
+          <p:cNvPr id="10" name="Picture 9"/>
+          <p:cNvPicPr>
+            <a:picLocks noChangeAspect="1"/>
+          </p:cNvPicPr>
+          <p:nvPr/>
+        </p:nvPicPr>
+        <p:blipFill>
+          <a:blip r:embed="rId4">
+            <a:extLst>
+              <a:ext uri="{28A0092B-C50C-407E-A947-70E740481C1C}">
+                <a14:useLocalDpi xmlns:a14="http://schemas.microsoft.com/office/drawing/2010/main" val="0"/>
+              </a:ext>
+            </a:extLst>
+          </a:blip>
+          <a:stretch>
+            <a:fillRect/>
+          </a:stretch>
+        </p:blipFill>
+        <p:spPr>
+          <a:xfrm>
+            <a:off x="7116523" y="1088719"/>
+            <a:ext cx="4237277" cy="5412984"/>
+          </a:xfrm>
+          <a:prstGeom prst="rect">
+            <a:avLst/>
+          </a:prstGeom>
+        </p:spPr>
+      </p:pic>
+      <p:sp>
+        <p:nvSpPr>
+          <p:cNvPr id="11" name="TextBox 10"/>
+          <p:cNvSpPr txBox="1"/>
+          <p:nvPr/>
+        </p:nvSpPr>
+        <p:spPr>
+          <a:xfrm>
+            <a:off x="7116523" y="719387"/>
+            <a:ext cx="2600135" cy="369332"/>
+          </a:xfrm>
+          <a:prstGeom prst="rect">
+            <a:avLst/>
+          </a:prstGeom>
+          <a:noFill/>
+        </p:spPr>
+        <p:txBody>
+          <a:bodyPr wrap="none" rtlCol="0">
+            <a:spAutoFit/>
+          </a:bodyPr>
+          <a:lstStyle/>
+          <a:p>
+            <a:r>
+              <a:rPr lang="en-US" smtClean="0"/>
+              <a:t>VALIDATION BASED ON R</a:t>
+            </a:r>
+            <a:r>
+              <a:rPr lang="en-US" baseline="30000" smtClean="0"/>
+              <a:t>2</a:t>
+            </a:r>
+            <a:endParaRPr lang="en-US"/>
+          </a:p>
+        </p:txBody>
+      </p:sp>
+    </p:spTree>
+    <p:extLst>
+      <p:ext uri="{BB962C8B-B14F-4D97-AF65-F5344CB8AC3E}">
+        <p14:creationId xmlns:p14="http://schemas.microsoft.com/office/powerpoint/2010/main" val="1857792311"/>
+      </p:ext>
+    </p:extLst>
+  </p:cSld>
+  <p:clrMapOvr>
+    <a:masterClrMapping/>
+  </p:clrMapOvr>
+</p:sld>
+</file>
+
+<file path=ppt/slides/slide18.xml><?xml version="1.0" encoding="utf-8"?>
+<p:sld xmlns:a="http://schemas.openxmlformats.org/drawingml/2006/main" xmlns:r="http://schemas.openxmlformats.org/officeDocument/2006/relationships" xmlns:p="http://schemas.openxmlformats.org/presentationml/2006/main">
+  <p:cSld>
+    <p:spTree>
+      <p:nvGrpSpPr>
+        <p:cNvPr id="1" name=""/>
+        <p:cNvGrpSpPr/>
+        <p:nvPr/>
+      </p:nvGrpSpPr>
+      <p:grpSpPr>
+        <a:xfrm>
+          <a:off x="0" y="0"/>
+          <a:ext cx="0" cy="0"/>
+          <a:chOff x="0" y="0"/>
+          <a:chExt cx="0" cy="0"/>
+        </a:xfrm>
+      </p:grpSpPr>
+      <p:sp>
+        <p:nvSpPr>
+          <p:cNvPr id="2" name="Title 1"/>
+          <p:cNvSpPr>
+            <a:spLocks noGrp="1"/>
+          </p:cNvSpPr>
+          <p:nvPr>
+            <p:ph type="title"/>
+          </p:nvPr>
+        </p:nvSpPr>
+        <p:spPr/>
+        <p:txBody>
+          <a:bodyPr/>
+          <a:lstStyle/>
+          <a:p>
+            <a:r>
+              <a:rPr lang="en-US" dirty="0" smtClean="0"/>
               <a:t>Conclusions</a:t>
             </a:r>
             <a:endParaRPr lang="en-US" dirty="0"/>
@@ -4515,11 +4762,17 @@
           <a:p>
             <a:r>
               <a:rPr lang="en-US" dirty="0" smtClean="0"/>
-              <a:t>Education is not the </a:t>
-            </a:r>
-            <a:r>
-              <a:rPr lang="en-US" smtClean="0"/>
-              <a:t>primary determinant of rank!</a:t>
+              <a:t>Education is not the primary determinant of rank</a:t>
+            </a:r>
+            <a:r>
+              <a:rPr lang="en-US" dirty="0" smtClean="0"/>
+              <a:t>!</a:t>
+            </a:r>
+          </a:p>
+          <a:p>
+            <a:r>
+              <a:rPr lang="en-US" dirty="0" smtClean="0"/>
+              <a:t>People also care too much about income, etc. but it all boils down to research prestige!</a:t>
             </a:r>
             <a:endParaRPr lang="en-US" dirty="0" smtClean="0"/>
           </a:p>
